--- a/ProjectPresentationOfGroup6.pptx
+++ b/ProjectPresentationOfGroup6.pptx
@@ -145,6 +145,35 @@
     </p:ext>
   </p:extLst>
 </p:presentation>
+</file>
+
+<file path=ppt/changesInfos/changesInfo1.xml><?xml version="1.0" encoding="utf-8"?>
+<pc:chgInfo xmlns:a="http://schemas.openxmlformats.org/drawingml/2006/main" xmlns:r="http://schemas.openxmlformats.org/officeDocument/2006/relationships" xmlns:ac="http://schemas.microsoft.com/office/drawing/2013/main/command" xmlns:pc="http://schemas.microsoft.com/office/powerpoint/2013/main/command">
+  <pc:docChgLst>
+    <pc:chgData name="prathik mayur" userId="51e4305a74d89d9d" providerId="LiveId" clId="{6EA20837-16A0-4419-99F6-8BFDA1F46F40}"/>
+    <pc:docChg chg="modSld">
+      <pc:chgData name="prathik mayur" userId="51e4305a74d89d9d" providerId="LiveId" clId="{6EA20837-16A0-4419-99F6-8BFDA1F46F40}" dt="2023-07-28T04:18:38.445" v="2" actId="20577"/>
+      <pc:docMkLst>
+        <pc:docMk/>
+      </pc:docMkLst>
+      <pc:sldChg chg="modSp mod">
+        <pc:chgData name="prathik mayur" userId="51e4305a74d89d9d" providerId="LiveId" clId="{6EA20837-16A0-4419-99F6-8BFDA1F46F40}" dt="2023-07-28T04:18:38.445" v="2" actId="20577"/>
+        <pc:sldMkLst>
+          <pc:docMk/>
+          <pc:sldMk cId="2943891655" sldId="260"/>
+        </pc:sldMkLst>
+        <pc:spChg chg="mod">
+          <ac:chgData name="prathik mayur" userId="51e4305a74d89d9d" providerId="LiveId" clId="{6EA20837-16A0-4419-99F6-8BFDA1F46F40}" dt="2023-07-28T04:18:38.445" v="2" actId="20577"/>
+          <ac:spMkLst>
+            <pc:docMk/>
+            <pc:sldMk cId="2943891655" sldId="260"/>
+            <ac:spMk id="6" creationId="{685CB7BF-9EE9-5B1D-9020-26562FE4B29F}"/>
+          </ac:spMkLst>
+        </pc:spChg>
+      </pc:sldChg>
+    </pc:docChg>
+  </pc:docChgLst>
+</pc:chgInfo>
 </file>
 
 <file path=ppt/diagrams/colors1.xml><?xml version="1.0" encoding="utf-8"?>
@@ -5424,7 +5453,7 @@
           <a:p>
             <a:fld id="{5AEB831B-71A4-41FD-B168-474C4460A57B}" type="datetimeFigureOut">
               <a:rPr lang="en-US" smtClean="0"/>
-              <a:t>12/7/2022</a:t>
+              <a:t>7/27/2023</a:t>
             </a:fld>
             <a:endParaRPr lang="en-US"/>
           </a:p>
@@ -5592,7 +5621,7 @@
           <a:p>
             <a:fld id="{5AEB831B-71A4-41FD-B168-474C4460A57B}" type="datetimeFigureOut">
               <a:rPr lang="en-US" smtClean="0"/>
-              <a:t>12/7/2022</a:t>
+              <a:t>7/27/2023</a:t>
             </a:fld>
             <a:endParaRPr lang="en-US"/>
           </a:p>
@@ -5770,7 +5799,7 @@
           <a:p>
             <a:fld id="{5AEB831B-71A4-41FD-B168-474C4460A57B}" type="datetimeFigureOut">
               <a:rPr lang="en-US" smtClean="0"/>
-              <a:t>12/7/2022</a:t>
+              <a:t>7/27/2023</a:t>
             </a:fld>
             <a:endParaRPr lang="en-US"/>
           </a:p>
@@ -5938,7 +5967,7 @@
           <a:p>
             <a:fld id="{5AEB831B-71A4-41FD-B168-474C4460A57B}" type="datetimeFigureOut">
               <a:rPr lang="en-US" smtClean="0"/>
-              <a:t>12/7/2022</a:t>
+              <a:t>7/27/2023</a:t>
             </a:fld>
             <a:endParaRPr lang="en-US"/>
           </a:p>
@@ -6183,7 +6212,7 @@
           <a:p>
             <a:fld id="{5AEB831B-71A4-41FD-B168-474C4460A57B}" type="datetimeFigureOut">
               <a:rPr lang="en-US" smtClean="0"/>
-              <a:t>12/7/2022</a:t>
+              <a:t>7/27/2023</a:t>
             </a:fld>
             <a:endParaRPr lang="en-US"/>
           </a:p>
@@ -6412,7 +6441,7 @@
           <a:p>
             <a:fld id="{5AEB831B-71A4-41FD-B168-474C4460A57B}" type="datetimeFigureOut">
               <a:rPr lang="en-US" smtClean="0"/>
-              <a:t>12/7/2022</a:t>
+              <a:t>7/27/2023</a:t>
             </a:fld>
             <a:endParaRPr lang="en-US"/>
           </a:p>
@@ -6776,7 +6805,7 @@
           <a:p>
             <a:fld id="{5AEB831B-71A4-41FD-B168-474C4460A57B}" type="datetimeFigureOut">
               <a:rPr lang="en-US" smtClean="0"/>
-              <a:t>12/7/2022</a:t>
+              <a:t>7/27/2023</a:t>
             </a:fld>
             <a:endParaRPr lang="en-US"/>
           </a:p>
@@ -6893,7 +6922,7 @@
           <a:p>
             <a:fld id="{5AEB831B-71A4-41FD-B168-474C4460A57B}" type="datetimeFigureOut">
               <a:rPr lang="en-US" smtClean="0"/>
-              <a:t>12/7/2022</a:t>
+              <a:t>7/27/2023</a:t>
             </a:fld>
             <a:endParaRPr lang="en-US"/>
           </a:p>
@@ -6988,7 +7017,7 @@
           <a:p>
             <a:fld id="{5AEB831B-71A4-41FD-B168-474C4460A57B}" type="datetimeFigureOut">
               <a:rPr lang="en-US" smtClean="0"/>
-              <a:t>12/7/2022</a:t>
+              <a:t>7/27/2023</a:t>
             </a:fld>
             <a:endParaRPr lang="en-US"/>
           </a:p>
@@ -7263,7 +7292,7 @@
           <a:p>
             <a:fld id="{5AEB831B-71A4-41FD-B168-474C4460A57B}" type="datetimeFigureOut">
               <a:rPr lang="en-US" smtClean="0"/>
-              <a:t>12/7/2022</a:t>
+              <a:t>7/27/2023</a:t>
             </a:fld>
             <a:endParaRPr lang="en-US"/>
           </a:p>
@@ -7515,7 +7544,7 @@
           <a:p>
             <a:fld id="{5AEB831B-71A4-41FD-B168-474C4460A57B}" type="datetimeFigureOut">
               <a:rPr lang="en-US" smtClean="0"/>
-              <a:t>12/7/2022</a:t>
+              <a:t>7/27/2023</a:t>
             </a:fld>
             <a:endParaRPr lang="en-US"/>
           </a:p>
@@ -7726,7 +7755,7 @@
           <a:p>
             <a:fld id="{5AEB831B-71A4-41FD-B168-474C4460A57B}" type="datetimeFigureOut">
               <a:rPr lang="en-US" smtClean="0"/>
-              <a:t>12/7/2022</a:t>
+              <a:t>7/27/2023</a:t>
             </a:fld>
             <a:endParaRPr lang="en-US"/>
           </a:p>
@@ -23917,7 +23946,7 @@
               <a:buFont typeface="Arial" panose="020B0604020202020204" pitchFamily="34" charset="0"/>
               <a:buChar char="•"/>
             </a:pPr>
-            <a:endParaRPr lang="en-US" sz="1700">
+            <a:endParaRPr lang="en-US" sz="1700" dirty="0">
               <a:effectLst/>
             </a:endParaRPr>
           </a:p>
@@ -23932,7 +23961,7 @@
               <a:buFont typeface="Arial" panose="020B0604020202020204" pitchFamily="34" charset="0"/>
               <a:buChar char="•"/>
             </a:pPr>
-            <a:endParaRPr lang="en-US" sz="1700"/>
+            <a:endParaRPr lang="en-US" sz="1700" dirty="0"/>
           </a:p>
           <a:p>
             <a:pPr indent="-228600">
@@ -23945,7 +23974,7 @@
               <a:buFont typeface="Arial" panose="020B0604020202020204" pitchFamily="34" charset="0"/>
               <a:buChar char="•"/>
             </a:pPr>
-            <a:endParaRPr lang="en-US" sz="1700">
+            <a:endParaRPr lang="en-US" sz="1700" dirty="0">
               <a:effectLst/>
             </a:endParaRPr>
           </a:p>
@@ -23960,7 +23989,7 @@
               <a:buFont typeface="Arial" panose="020B0604020202020204" pitchFamily="34" charset="0"/>
               <a:buChar char="•"/>
             </a:pPr>
-            <a:endParaRPr lang="en-US" sz="1700"/>
+            <a:endParaRPr lang="en-US" sz="1700" dirty="0"/>
           </a:p>
           <a:p>
             <a:pPr indent="-228600">
@@ -23973,7 +24002,7 @@
               <a:buFont typeface="Arial" panose="020B0604020202020204" pitchFamily="34" charset="0"/>
               <a:buChar char="•"/>
             </a:pPr>
-            <a:endParaRPr lang="en-US" sz="1700">
+            <a:endParaRPr lang="en-US" sz="1700" dirty="0">
               <a:effectLst/>
             </a:endParaRPr>
           </a:p>
@@ -23988,7 +24017,7 @@
               <a:buFont typeface="Arial" panose="020B0604020202020204" pitchFamily="34" charset="0"/>
               <a:buChar char="•"/>
             </a:pPr>
-            <a:endParaRPr lang="en-US" sz="1700"/>
+            <a:endParaRPr lang="en-US" sz="1700" dirty="0"/>
           </a:p>
           <a:p>
             <a:pPr indent="-228600">
@@ -24001,7 +24030,7 @@
               <a:buFont typeface="Arial" panose="020B0604020202020204" pitchFamily="34" charset="0"/>
               <a:buChar char="•"/>
             </a:pPr>
-            <a:endParaRPr lang="en-US" sz="1700">
+            <a:endParaRPr lang="en-US" sz="1700" dirty="0">
               <a:effectLst/>
             </a:endParaRPr>
           </a:p>
@@ -24020,7 +24049,13 @@
               <a:rPr lang="en-US" sz="1700">
                 <a:effectLst/>
               </a:rPr>
-              <a:t>The total number of portable water samples in 1998 and non-potable water samples is 1278. This indicates that the data is imbalanced where the non-potable water sample is lower compared to the potable samples.</a:t>
+              <a:t>The total number of potable water samples is 1998 and non-potable water samples is 1278. </a:t>
+            </a:r>
+            <a:r>
+              <a:rPr lang="en-US" sz="1700" dirty="0">
+                <a:effectLst/>
+              </a:rPr>
+              <a:t>This indicates that the data is imbalanced where the non-potable water sample is lower compared to the potable samples.</a:t>
             </a:r>
           </a:p>
         </p:txBody>
